--- a/OSS_A조 - MineSweeper_1.pptx
+++ b/OSS_A조 - MineSweeper_1.pptx
@@ -5,7 +5,7 @@
     <p:sldMasterId id="2147483648" r:id="rId1"/>
   </p:sldMasterIdLst>
   <p:notesMasterIdLst>
-    <p:notesMasterId r:id="rId19"/>
+    <p:notesMasterId r:id="rId18"/>
   </p:notesMasterIdLst>
   <p:sldIdLst>
     <p:sldId id="256" r:id="rId2"/>
@@ -23,8 +23,7 @@
     <p:sldId id="267" r:id="rId14"/>
     <p:sldId id="272" r:id="rId15"/>
     <p:sldId id="271" r:id="rId16"/>
-    <p:sldId id="270" r:id="rId17"/>
-    <p:sldId id="265" r:id="rId18"/>
+    <p:sldId id="265" r:id="rId17"/>
   </p:sldIdLst>
   <p:sldSz cx="12192000" cy="6858000"/>
   <p:notesSz cx="6858000" cy="9144000"/>
@@ -125,7 +124,7 @@
   </p:defaultTextStyle>
   <p:extLst>
     <p:ext uri="{EFAFB233-063F-42B5-8137-9DF3F51BA10A}">
-      <p15:sldGuideLst xmlns:p15="http://schemas.microsoft.com/office/powerpoint/2012/main" xmlns="">
+      <p15:sldGuideLst xmlns:p15="http://schemas.microsoft.com/office/powerpoint/2012/main">
         <p15:guide id="1" orient="horz" pos="1956" userDrawn="1">
           <p15:clr>
             <a:srgbClr val="A4A3A4"/>
@@ -6099,6 +6098,78 @@
           <a:chExt cx="0" cy="0"/>
         </a:xfrm>
       </p:grpSpPr>
+      <p:pic>
+        <p:nvPicPr>
+          <p:cNvPr id="2" name="Picture 1"/>
+          <p:cNvPicPr>
+            <a:picLocks noChangeAspect="1"/>
+          </p:cNvPicPr>
+          <p:nvPr/>
+        </p:nvPicPr>
+        <p:blipFill>
+          <a:blip r:embed="rId2"/>
+          <a:stretch>
+            <a:fillRect/>
+          </a:stretch>
+        </p:blipFill>
+        <p:spPr>
+          <a:xfrm>
+            <a:off x="8304415" y="1402207"/>
+            <a:ext cx="3645650" cy="4380543"/>
+          </a:xfrm>
+          <a:prstGeom prst="rect">
+            <a:avLst/>
+          </a:prstGeom>
+        </p:spPr>
+      </p:pic>
+      <p:pic>
+        <p:nvPicPr>
+          <p:cNvPr id="3" name="Picture 2"/>
+          <p:cNvPicPr>
+            <a:picLocks noChangeAspect="1"/>
+          </p:cNvPicPr>
+          <p:nvPr/>
+        </p:nvPicPr>
+        <p:blipFill>
+          <a:blip r:embed="rId3"/>
+          <a:stretch>
+            <a:fillRect/>
+          </a:stretch>
+        </p:blipFill>
+        <p:spPr>
+          <a:xfrm>
+            <a:off x="240550" y="1813450"/>
+            <a:ext cx="3117792" cy="3409950"/>
+          </a:xfrm>
+          <a:prstGeom prst="rect">
+            <a:avLst/>
+          </a:prstGeom>
+        </p:spPr>
+      </p:pic>
+      <p:pic>
+        <p:nvPicPr>
+          <p:cNvPr id="4" name="Picture 3"/>
+          <p:cNvPicPr>
+            <a:picLocks noChangeAspect="1"/>
+          </p:cNvPicPr>
+          <p:nvPr/>
+        </p:nvPicPr>
+        <p:blipFill>
+          <a:blip r:embed="rId4"/>
+          <a:stretch>
+            <a:fillRect/>
+          </a:stretch>
+        </p:blipFill>
+        <p:spPr>
+          <a:xfrm>
+            <a:off x="4191174" y="1672134"/>
+            <a:ext cx="3423285" cy="3680244"/>
+          </a:xfrm>
+          <a:prstGeom prst="rect">
+            <a:avLst/>
+          </a:prstGeom>
+        </p:spPr>
+      </p:pic>
     </p:spTree>
     <p:extLst>
       <p:ext uri="{BB962C8B-B14F-4D97-AF65-F5344CB8AC3E}">
@@ -6132,55 +6203,6 @@
 </file>
 
 <file path=ppt/slides/slide16.xml><?xml version="1.0" encoding="utf-8"?>
-<p:sld xmlns:a="http://schemas.openxmlformats.org/drawingml/2006/main" xmlns:r="http://schemas.openxmlformats.org/officeDocument/2006/relationships" xmlns:p="http://schemas.openxmlformats.org/presentationml/2006/main">
-  <p:cSld>
-    <p:spTree>
-      <p:nvGrpSpPr>
-        <p:cNvPr id="1" name=""/>
-        <p:cNvGrpSpPr/>
-        <p:nvPr/>
-      </p:nvGrpSpPr>
-      <p:grpSpPr>
-        <a:xfrm>
-          <a:off x="0" y="0"/>
-          <a:ext cx="0" cy="0"/>
-          <a:chOff x="0" y="0"/>
-          <a:chExt cx="0" cy="0"/>
-        </a:xfrm>
-      </p:grpSpPr>
-    </p:spTree>
-    <p:extLst>
-      <p:ext uri="{BB962C8B-B14F-4D97-AF65-F5344CB8AC3E}">
-        <p14:creationId xmlns:p14="http://schemas.microsoft.com/office/powerpoint/2010/main" val="2486729708"/>
-      </p:ext>
-    </p:extLst>
-  </p:cSld>
-  <p:clrMapOvr>
-    <a:masterClrMapping/>
-  </p:clrMapOvr>
-  <mc:AlternateContent xmlns:mc="http://schemas.openxmlformats.org/markup-compatibility/2006" xmlns:p14="http://schemas.microsoft.com/office/powerpoint/2010/main">
-    <mc:Choice Requires="p14">
-      <p:transition spd="slow" p14:dur="2000">
-        <p:push dir="u"/>
-      </p:transition>
-    </mc:Choice>
-    <mc:Fallback xmlns="">
-      <p:transition spd="slow">
-        <p:push dir="u"/>
-      </p:transition>
-    </mc:Fallback>
-  </mc:AlternateContent>
-  <p:timing>
-    <p:tnLst>
-      <p:par>
-        <p:cTn id="1" dur="indefinite" restart="never" nodeType="tmRoot"/>
-      </p:par>
-    </p:tnLst>
-  </p:timing>
-</p:sld>
-</file>
-
-<file path=ppt/slides/slide17.xml><?xml version="1.0" encoding="utf-8"?>
 <p:sld xmlns:a="http://schemas.openxmlformats.org/drawingml/2006/main" xmlns:r="http://schemas.openxmlformats.org/officeDocument/2006/relationships" xmlns:p="http://schemas.openxmlformats.org/presentationml/2006/main">
   <p:cSld>
     <p:spTree>
@@ -8747,7 +8769,7 @@
         </p:blipFill>
         <p:spPr>
           <a:xfrm>
-            <a:off x="495970" y="455859"/>
+            <a:off x="495970" y="1554864"/>
             <a:ext cx="2504807" cy="1744922"/>
           </a:xfrm>
           <a:prstGeom prst="rect">
@@ -8763,7 +8785,7 @@
         </p:nvGrpSpPr>
         <p:grpSpPr>
           <a:xfrm>
-            <a:off x="591151" y="455859"/>
+            <a:off x="591151" y="1554864"/>
             <a:ext cx="7767238" cy="533549"/>
             <a:chOff x="848729" y="2658356"/>
             <a:chExt cx="7767238" cy="533549"/>
@@ -8925,7 +8947,7 @@
         </p:nvGrpSpPr>
         <p:grpSpPr>
           <a:xfrm>
-            <a:off x="591151" y="1430878"/>
+            <a:off x="591151" y="2529883"/>
             <a:ext cx="7767238" cy="533549"/>
             <a:chOff x="848729" y="2658356"/>
             <a:chExt cx="7767238" cy="533549"/>
@@ -9085,7 +9107,7 @@
         </p:nvGrpSpPr>
         <p:grpSpPr>
           <a:xfrm>
-            <a:off x="591151" y="979437"/>
+            <a:off x="591151" y="2078442"/>
             <a:ext cx="7767238" cy="533549"/>
             <a:chOff x="848729" y="2658356"/>
             <a:chExt cx="7767238" cy="533549"/>
@@ -9253,7 +9275,7 @@
         </p:blipFill>
         <p:spPr>
           <a:xfrm>
-            <a:off x="495970" y="2953890"/>
+            <a:off x="495970" y="3685410"/>
             <a:ext cx="4295775" cy="1800225"/>
           </a:xfrm>
           <a:prstGeom prst="rect">
@@ -9277,7 +9299,7 @@
         </p:blipFill>
         <p:spPr>
           <a:xfrm>
-            <a:off x="6062864" y="2953890"/>
+            <a:off x="6121053" y="3713985"/>
             <a:ext cx="4591050" cy="1771650"/>
           </a:xfrm>
           <a:prstGeom prst="rect">
@@ -9293,7 +9315,7 @@
         </p:nvSpPr>
         <p:spPr>
           <a:xfrm>
-            <a:off x="434089" y="4938781"/>
+            <a:off x="434089" y="5670301"/>
             <a:ext cx="2628567" cy="369332"/>
           </a:xfrm>
           <a:prstGeom prst="rect">
@@ -9331,7 +9353,7 @@
         </p:nvSpPr>
         <p:spPr>
           <a:xfrm>
-            <a:off x="6062864" y="4861172"/>
+            <a:off x="6121053" y="5621267"/>
             <a:ext cx="2628567" cy="369332"/>
           </a:xfrm>
           <a:prstGeom prst="rect">
@@ -9358,6 +9380,180 @@
                 <a:schemeClr val="bg1"/>
               </a:solidFill>
             </a:endParaRPr>
+          </a:p>
+        </p:txBody>
+      </p:sp>
+      <p:cxnSp>
+        <p:nvCxnSpPr>
+          <p:cNvPr id="25" name="Straight Connector 24"/>
+          <p:cNvCxnSpPr/>
+          <p:nvPr/>
+        </p:nvCxnSpPr>
+        <p:spPr>
+          <a:xfrm flipV="1">
+            <a:off x="495972" y="830194"/>
+            <a:ext cx="5949863" cy="12526"/>
+          </a:xfrm>
+          <a:prstGeom prst="line">
+            <a:avLst/>
+          </a:prstGeom>
+          <a:ln>
+            <a:solidFill>
+              <a:schemeClr val="accent4">
+                <a:lumMod val="40000"/>
+                <a:lumOff val="60000"/>
+              </a:schemeClr>
+            </a:solidFill>
+          </a:ln>
+        </p:spPr>
+        <p:style>
+          <a:lnRef idx="1">
+            <a:schemeClr val="accent1"/>
+          </a:lnRef>
+          <a:fillRef idx="0">
+            <a:schemeClr val="accent1"/>
+          </a:fillRef>
+          <a:effectRef idx="0">
+            <a:schemeClr val="accent1"/>
+          </a:effectRef>
+          <a:fontRef idx="minor">
+            <a:schemeClr val="tx1"/>
+          </a:fontRef>
+        </p:style>
+      </p:cxnSp>
+      <p:cxnSp>
+        <p:nvCxnSpPr>
+          <p:cNvPr id="26" name="Straight Connector 25"/>
+          <p:cNvCxnSpPr/>
+          <p:nvPr/>
+        </p:nvCxnSpPr>
+        <p:spPr>
+          <a:xfrm flipV="1">
+            <a:off x="495971" y="995120"/>
+            <a:ext cx="5949863" cy="12526"/>
+          </a:xfrm>
+          <a:prstGeom prst="line">
+            <a:avLst/>
+          </a:prstGeom>
+          <a:ln>
+            <a:solidFill>
+              <a:schemeClr val="accent4">
+                <a:lumMod val="40000"/>
+                <a:lumOff val="60000"/>
+              </a:schemeClr>
+            </a:solidFill>
+          </a:ln>
+        </p:spPr>
+        <p:style>
+          <a:lnRef idx="1">
+            <a:schemeClr val="accent1"/>
+          </a:lnRef>
+          <a:fillRef idx="0">
+            <a:schemeClr val="accent1"/>
+          </a:fillRef>
+          <a:effectRef idx="0">
+            <a:schemeClr val="accent1"/>
+          </a:effectRef>
+          <a:fontRef idx="minor">
+            <a:schemeClr val="tx1"/>
+          </a:fontRef>
+        </p:style>
+      </p:cxnSp>
+      <p:cxnSp>
+        <p:nvCxnSpPr>
+          <p:cNvPr id="27" name="Straight Connector 26"/>
+          <p:cNvCxnSpPr/>
+          <p:nvPr/>
+        </p:nvCxnSpPr>
+        <p:spPr>
+          <a:xfrm flipV="1">
+            <a:off x="495972" y="1177791"/>
+            <a:ext cx="5949863" cy="12526"/>
+          </a:xfrm>
+          <a:prstGeom prst="line">
+            <a:avLst/>
+          </a:prstGeom>
+          <a:ln>
+            <a:solidFill>
+              <a:schemeClr val="accent4">
+                <a:lumMod val="40000"/>
+                <a:lumOff val="60000"/>
+              </a:schemeClr>
+            </a:solidFill>
+          </a:ln>
+        </p:spPr>
+        <p:style>
+          <a:lnRef idx="1">
+            <a:schemeClr val="accent1"/>
+          </a:lnRef>
+          <a:fillRef idx="0">
+            <a:schemeClr val="accent1"/>
+          </a:fillRef>
+          <a:effectRef idx="0">
+            <a:schemeClr val="accent1"/>
+          </a:effectRef>
+          <a:fontRef idx="minor">
+            <a:schemeClr val="tx1"/>
+          </a:fontRef>
+        </p:style>
+      </p:cxnSp>
+      <p:sp>
+        <p:nvSpPr>
+          <p:cNvPr id="8" name="Rectangle 7"/>
+          <p:cNvSpPr/>
+          <p:nvPr/>
+        </p:nvSpPr>
+        <p:spPr>
+          <a:xfrm>
+            <a:off x="-47223" y="31578"/>
+            <a:ext cx="7761434" cy="707886"/>
+          </a:xfrm>
+          <a:prstGeom prst="rect">
+            <a:avLst/>
+          </a:prstGeom>
+        </p:spPr>
+        <p:txBody>
+          <a:bodyPr wrap="square">
+            <a:spAutoFit/>
+          </a:bodyPr>
+          <a:lstStyle/>
+          <a:p>
+            <a:pPr marL="1028700" lvl="1" indent="-571500">
+              <a:buFont typeface="Wingdings" panose="05000000000000000000" pitchFamily="2" charset="2"/>
+              <a:buChar char="l"/>
+            </a:pPr>
+            <a:r>
+              <a:rPr lang="ko-KR" altLang="en-US" sz="4000" dirty="0">
+                <a:solidFill>
+                  <a:schemeClr val="bg1"/>
+                </a:solidFill>
+              </a:rPr>
+              <a:t>바뀐 소스</a:t>
+            </a:r>
+            <a:r>
+              <a:rPr lang="en-US" altLang="ko-KR" sz="4000" dirty="0">
+                <a:solidFill>
+                  <a:schemeClr val="bg1"/>
+                </a:solidFill>
+              </a:rPr>
+              <a:t>(</a:t>
+            </a:r>
+            <a:r>
+              <a:rPr lang="ko-KR" altLang="en-US" sz="4000" dirty="0">
+                <a:solidFill>
+                  <a:schemeClr val="bg1"/>
+                </a:solidFill>
+              </a:rPr>
+              <a:t>수정한 내용</a:t>
+            </a:r>
+            <a:r>
+              <a:rPr lang="en-US" altLang="ko-KR" sz="4000" dirty="0">
+                <a:solidFill>
+                  <a:schemeClr val="bg1"/>
+                </a:solidFill>
+              </a:rPr>
+              <a:t>)</a:t>
+            </a:r>
           </a:p>
         </p:txBody>
       </p:sp>
@@ -10085,7 +10281,7 @@
         </p:nvSpPr>
         <p:spPr>
           <a:xfrm>
-            <a:off x="91950" y="419627"/>
+            <a:off x="91950" y="154347"/>
             <a:ext cx="6326545" cy="707886"/>
           </a:xfrm>
           <a:prstGeom prst="rect">
@@ -10735,6 +10931,82 @@
               <a:srgbClr val="FF0000"/>
             </a:solidFill>
             <a:tailEnd type="arrow"/>
+          </a:ln>
+        </p:spPr>
+        <p:style>
+          <a:lnRef idx="1">
+            <a:schemeClr val="accent1"/>
+          </a:lnRef>
+          <a:fillRef idx="0">
+            <a:schemeClr val="accent1"/>
+          </a:fillRef>
+          <a:effectRef idx="0">
+            <a:schemeClr val="accent1"/>
+          </a:effectRef>
+          <a:fontRef idx="minor">
+            <a:schemeClr val="tx1"/>
+          </a:fontRef>
+        </p:style>
+      </p:cxnSp>
+      <p:cxnSp>
+        <p:nvCxnSpPr>
+          <p:cNvPr id="18" name="Straight Connector 17"/>
+          <p:cNvCxnSpPr/>
+          <p:nvPr/>
+        </p:nvCxnSpPr>
+        <p:spPr>
+          <a:xfrm flipV="1">
+            <a:off x="589780" y="849707"/>
+            <a:ext cx="5949863" cy="12526"/>
+          </a:xfrm>
+          <a:prstGeom prst="line">
+            <a:avLst/>
+          </a:prstGeom>
+          <a:ln>
+            <a:solidFill>
+              <a:schemeClr val="accent4">
+                <a:lumMod val="40000"/>
+                <a:lumOff val="60000"/>
+              </a:schemeClr>
+            </a:solidFill>
+          </a:ln>
+        </p:spPr>
+        <p:style>
+          <a:lnRef idx="1">
+            <a:schemeClr val="accent1"/>
+          </a:lnRef>
+          <a:fillRef idx="0">
+            <a:schemeClr val="accent1"/>
+          </a:fillRef>
+          <a:effectRef idx="0">
+            <a:schemeClr val="accent1"/>
+          </a:effectRef>
+          <a:fontRef idx="minor">
+            <a:schemeClr val="tx1"/>
+          </a:fontRef>
+        </p:style>
+      </p:cxnSp>
+      <p:cxnSp>
+        <p:nvCxnSpPr>
+          <p:cNvPr id="19" name="Straight Connector 18"/>
+          <p:cNvCxnSpPr/>
+          <p:nvPr/>
+        </p:nvCxnSpPr>
+        <p:spPr>
+          <a:xfrm flipV="1">
+            <a:off x="589779" y="1014633"/>
+            <a:ext cx="5949863" cy="12526"/>
+          </a:xfrm>
+          <a:prstGeom prst="line">
+            <a:avLst/>
+          </a:prstGeom>
+          <a:ln>
+            <a:solidFill>
+              <a:schemeClr val="accent4">
+                <a:lumMod val="40000"/>
+                <a:lumOff val="60000"/>
+              </a:schemeClr>
+            </a:solidFill>
           </a:ln>
         </p:spPr>
         <p:style>
@@ -11542,7 +11814,7 @@
   <a:extraClrSchemeLst/>
   <a:extLst>
     <a:ext uri="{05A4C25C-085E-4340-85A3-A5531E510DB2}">
-      <thm15:themeFamily xmlns:thm15="http://schemas.microsoft.com/office/thememl/2012/main" xmlns="" name="Office Theme" id="{62F939B6-93AF-4DB8-9C6B-D6C7DFDC589F}" vid="{4A3C46E8-61CC-4603-A589-7422A47A8E4A}"/>
+      <thm15:themeFamily xmlns:thm15="http://schemas.microsoft.com/office/thememl/2012/main" name="Office Theme" id="{62F939B6-93AF-4DB8-9C6B-D6C7DFDC589F}" vid="{4A3C46E8-61CC-4603-A589-7422A47A8E4A}"/>
     </a:ext>
   </a:extLst>
 </a:theme>
@@ -11803,7 +12075,7 @@
   <a:extraClrSchemeLst/>
   <a:extLst>
     <a:ext uri="{05A4C25C-085E-4340-85A3-A5531E510DB2}">
-      <thm15:themeFamily xmlns:thm15="http://schemas.microsoft.com/office/thememl/2012/main" xmlns="" name="Office Theme" id="{62F939B6-93AF-4DB8-9C6B-D6C7DFDC589F}" vid="{4A3C46E8-61CC-4603-A589-7422A47A8E4A}"/>
+      <thm15:themeFamily xmlns:thm15="http://schemas.microsoft.com/office/thememl/2012/main" name="Office Theme" id="{62F939B6-93AF-4DB8-9C6B-D6C7DFDC589F}" vid="{4A3C46E8-61CC-4603-A589-7422A47A8E4A}"/>
     </a:ext>
   </a:extLst>
 </a:theme>

--- a/OSS_A조 - MineSweeper_1.pptx
+++ b/OSS_A조 - MineSweeper_1.pptx
@@ -238,7 +238,7 @@
           <a:p>
             <a:fld id="{2B58B9A6-D904-F749-BBA2-9ADD544A83EE}" type="datetimeFigureOut">
               <a:rPr kumimoji="1" lang="ko-KR" altLang="en-US" smtClean="0"/>
-              <a:t>2018-12-01</a:t>
+              <a:t>2018-12-03</a:t>
             </a:fld>
             <a:endParaRPr kumimoji="1" lang="ko-KR" altLang="en-US"/>
           </a:p>
@@ -683,7 +683,7 @@
           <a:p>
             <a:fld id="{ED64EA24-9905-784B-8033-5E2FE3296A17}" type="datetimeFigureOut">
               <a:rPr kumimoji="1" lang="ko-KR" altLang="en-US" smtClean="0"/>
-              <a:t>2018-12-01</a:t>
+              <a:t>2018-12-03</a:t>
             </a:fld>
             <a:endParaRPr kumimoji="1" lang="ko-KR" altLang="en-US"/>
           </a:p>
@@ -860,7 +860,7 @@
           <a:p>
             <a:fld id="{ED64EA24-9905-784B-8033-5E2FE3296A17}" type="datetimeFigureOut">
               <a:rPr kumimoji="1" lang="ko-KR" altLang="en-US" smtClean="0"/>
-              <a:t>2018-12-01</a:t>
+              <a:t>2018-12-03</a:t>
             </a:fld>
             <a:endParaRPr kumimoji="1" lang="ko-KR" altLang="en-US"/>
           </a:p>
@@ -1040,7 +1040,7 @@
           <a:p>
             <a:fld id="{ED64EA24-9905-784B-8033-5E2FE3296A17}" type="datetimeFigureOut">
               <a:rPr kumimoji="1" lang="ko-KR" altLang="en-US" smtClean="0"/>
-              <a:t>2018-12-01</a:t>
+              <a:t>2018-12-03</a:t>
             </a:fld>
             <a:endParaRPr kumimoji="1" lang="ko-KR" altLang="en-US"/>
           </a:p>
@@ -1256,7 +1256,7 @@
           <a:p>
             <a:fld id="{ED64EA24-9905-784B-8033-5E2FE3296A17}" type="datetimeFigureOut">
               <a:rPr kumimoji="1" lang="ko-KR" altLang="en-US" smtClean="0"/>
-              <a:t>2018-12-01</a:t>
+              <a:t>2018-12-03</a:t>
             </a:fld>
             <a:endParaRPr kumimoji="1" lang="ko-KR" altLang="en-US"/>
           </a:p>
@@ -1502,7 +1502,7 @@
           <a:p>
             <a:fld id="{ED64EA24-9905-784B-8033-5E2FE3296A17}" type="datetimeFigureOut">
               <a:rPr kumimoji="1" lang="ko-KR" altLang="en-US" smtClean="0"/>
-              <a:t>2018-12-01</a:t>
+              <a:t>2018-12-03</a:t>
             </a:fld>
             <a:endParaRPr kumimoji="1" lang="ko-KR" altLang="en-US"/>
           </a:p>
@@ -1734,7 +1734,7 @@
           <a:p>
             <a:fld id="{ED64EA24-9905-784B-8033-5E2FE3296A17}" type="datetimeFigureOut">
               <a:rPr kumimoji="1" lang="ko-KR" altLang="en-US" smtClean="0"/>
-              <a:t>2018-12-01</a:t>
+              <a:t>2018-12-03</a:t>
             </a:fld>
             <a:endParaRPr kumimoji="1" lang="ko-KR" altLang="en-US"/>
           </a:p>
@@ -2101,7 +2101,7 @@
           <a:p>
             <a:fld id="{ED64EA24-9905-784B-8033-5E2FE3296A17}" type="datetimeFigureOut">
               <a:rPr kumimoji="1" lang="ko-KR" altLang="en-US" smtClean="0"/>
-              <a:t>2018-12-01</a:t>
+              <a:t>2018-12-03</a:t>
             </a:fld>
             <a:endParaRPr kumimoji="1" lang="ko-KR" altLang="en-US"/>
           </a:p>
@@ -2219,7 +2219,7 @@
           <a:p>
             <a:fld id="{ED64EA24-9905-784B-8033-5E2FE3296A17}" type="datetimeFigureOut">
               <a:rPr kumimoji="1" lang="ko-KR" altLang="en-US" smtClean="0"/>
-              <a:t>2018-12-01</a:t>
+              <a:t>2018-12-03</a:t>
             </a:fld>
             <a:endParaRPr kumimoji="1" lang="ko-KR" altLang="en-US"/>
           </a:p>
@@ -2314,7 +2314,7 @@
           <a:p>
             <a:fld id="{ED64EA24-9905-784B-8033-5E2FE3296A17}" type="datetimeFigureOut">
               <a:rPr kumimoji="1" lang="ko-KR" altLang="en-US" smtClean="0"/>
-              <a:t>2018-12-01</a:t>
+              <a:t>2018-12-03</a:t>
             </a:fld>
             <a:endParaRPr kumimoji="1" lang="ko-KR" altLang="en-US"/>
           </a:p>
@@ -2591,7 +2591,7 @@
           <a:p>
             <a:fld id="{ED64EA24-9905-784B-8033-5E2FE3296A17}" type="datetimeFigureOut">
               <a:rPr kumimoji="1" lang="ko-KR" altLang="en-US" smtClean="0"/>
-              <a:t>2018-12-01</a:t>
+              <a:t>2018-12-03</a:t>
             </a:fld>
             <a:endParaRPr kumimoji="1" lang="ko-KR" altLang="en-US"/>
           </a:p>
@@ -2844,7 +2844,7 @@
           <a:p>
             <a:fld id="{ED64EA24-9905-784B-8033-5E2FE3296A17}" type="datetimeFigureOut">
               <a:rPr kumimoji="1" lang="ko-KR" altLang="en-US" smtClean="0"/>
-              <a:t>2018-12-01</a:t>
+              <a:t>2018-12-03</a:t>
             </a:fld>
             <a:endParaRPr kumimoji="1" lang="ko-KR" altLang="en-US"/>
           </a:p>
@@ -3057,7 +3057,7 @@
           <a:p>
             <a:fld id="{ED64EA24-9905-784B-8033-5E2FE3296A17}" type="datetimeFigureOut">
               <a:rPr kumimoji="1" lang="ko-KR" altLang="en-US" smtClean="0"/>
-              <a:t>2018-12-01</a:t>
+              <a:t>2018-12-03</a:t>
             </a:fld>
             <a:endParaRPr kumimoji="1" lang="ko-KR" altLang="en-US"/>
           </a:p>
@@ -4227,7 +4227,7 @@
         </p:blipFill>
         <p:spPr bwMode="auto">
           <a:xfrm>
-            <a:off x="0" y="0"/>
+            <a:off x="640937" y="931024"/>
             <a:ext cx="6026727" cy="4468091"/>
           </a:xfrm>
           <a:prstGeom prst="rect">
@@ -4276,7 +4276,7 @@
         </p:nvSpPr>
         <p:spPr>
           <a:xfrm>
-            <a:off x="6259820" y="280554"/>
+            <a:off x="7662593" y="1170016"/>
             <a:ext cx="3512500" cy="369332"/>
           </a:xfrm>
           <a:prstGeom prst="rect">
@@ -4378,7 +4378,7 @@
         </p:blipFill>
         <p:spPr bwMode="auto">
           <a:xfrm>
-            <a:off x="6395768" y="649886"/>
+            <a:off x="7798541" y="1539348"/>
             <a:ext cx="2533650" cy="3409950"/>
           </a:xfrm>
           <a:prstGeom prst="rect">
@@ -4427,7 +4427,7 @@
         </p:nvSpPr>
         <p:spPr>
           <a:xfrm>
-            <a:off x="6413414" y="883995"/>
+            <a:off x="7816187" y="1773457"/>
             <a:ext cx="1385127" cy="1657903"/>
           </a:xfrm>
           <a:prstGeom prst="roundRect">
@@ -4465,6 +4465,42 @@
           </a:p>
         </p:txBody>
       </p:sp>
+      <p:cxnSp>
+        <p:nvCxnSpPr>
+          <p:cNvPr id="6" name="직선 화살표 연결선 5"/>
+          <p:cNvCxnSpPr/>
+          <p:nvPr/>
+        </p:nvCxnSpPr>
+        <p:spPr>
+          <a:xfrm>
+            <a:off x="6660909" y="1945460"/>
+            <a:ext cx="1155278" cy="0"/>
+          </a:xfrm>
+          <a:prstGeom prst="straightConnector1">
+            <a:avLst/>
+          </a:prstGeom>
+          <a:ln w="38100">
+            <a:solidFill>
+              <a:srgbClr val="FF0000"/>
+            </a:solidFill>
+            <a:tailEnd type="arrow"/>
+          </a:ln>
+        </p:spPr>
+        <p:style>
+          <a:lnRef idx="1">
+            <a:schemeClr val="accent1"/>
+          </a:lnRef>
+          <a:fillRef idx="0">
+            <a:schemeClr val="accent1"/>
+          </a:fillRef>
+          <a:effectRef idx="0">
+            <a:schemeClr val="accent1"/>
+          </a:effectRef>
+          <a:fontRef idx="minor">
+            <a:schemeClr val="tx1"/>
+          </a:fontRef>
+        </p:style>
+      </p:cxnSp>
     </p:spTree>
     <p:extLst>
       <p:ext uri="{BB962C8B-B14F-4D97-AF65-F5344CB8AC3E}">
@@ -4535,7 +4571,7 @@
         </p:blipFill>
         <p:spPr bwMode="auto">
           <a:xfrm>
-            <a:off x="0" y="0"/>
+            <a:off x="756458" y="656706"/>
             <a:ext cx="4249881" cy="2905991"/>
           </a:xfrm>
           <a:prstGeom prst="rect">
@@ -4597,7 +4633,7 @@
         </p:blipFill>
         <p:spPr bwMode="auto">
           <a:xfrm>
-            <a:off x="4276246" y="1"/>
+            <a:off x="6179090" y="536618"/>
             <a:ext cx="4224440" cy="3713018"/>
           </a:xfrm>
           <a:prstGeom prst="rect">
@@ -4646,7 +4682,7 @@
         </p:nvSpPr>
         <p:spPr>
           <a:xfrm>
-            <a:off x="0" y="0"/>
+            <a:off x="756458" y="656706"/>
             <a:ext cx="4249881" cy="2878282"/>
           </a:xfrm>
           <a:prstGeom prst="rect">
@@ -4692,7 +4728,7 @@
         </p:nvSpPr>
         <p:spPr>
           <a:xfrm>
-            <a:off x="1474449" y="4531667"/>
+            <a:off x="2230907" y="5188373"/>
             <a:ext cx="1300982" cy="369332"/>
           </a:xfrm>
           <a:prstGeom prst="rect">
@@ -4730,7 +4766,7 @@
         </p:nvSpPr>
         <p:spPr>
           <a:xfrm>
-            <a:off x="4250805" y="0"/>
+            <a:off x="6137795" y="490451"/>
             <a:ext cx="4249881" cy="3713018"/>
           </a:xfrm>
           <a:prstGeom prst="rect">
@@ -4776,7 +4812,7 @@
         </p:nvSpPr>
         <p:spPr>
           <a:xfrm>
-            <a:off x="4974241" y="4577833"/>
+            <a:off x="6861231" y="5068284"/>
             <a:ext cx="2803008" cy="646331"/>
           </a:xfrm>
           <a:prstGeom prst="rect">
@@ -4822,7 +4858,7 @@
         </p:nvCxnSpPr>
         <p:spPr>
           <a:xfrm>
-            <a:off x="2096365" y="2905991"/>
+            <a:off x="2852823" y="3562697"/>
             <a:ext cx="0" cy="1485900"/>
           </a:xfrm>
           <a:prstGeom prst="straightConnector1">
@@ -4858,7 +4894,7 @@
         </p:nvCxnSpPr>
         <p:spPr>
           <a:xfrm>
-            <a:off x="6389331" y="3713018"/>
+            <a:off x="8276321" y="4203469"/>
             <a:ext cx="0" cy="818648"/>
           </a:xfrm>
           <a:prstGeom prst="straightConnector1">
@@ -4956,8 +4992,8 @@
         </p:blipFill>
         <p:spPr bwMode="auto">
           <a:xfrm>
-            <a:off x="0" y="-4762"/>
-            <a:ext cx="6677026" cy="1704974"/>
+            <a:off x="-1" y="-4762"/>
+            <a:ext cx="6675121" cy="1704488"/>
           </a:xfrm>
           <a:prstGeom prst="rect">
             <a:avLst/>
@@ -5178,8 +5214,8 @@
         </p:nvCxnSpPr>
         <p:spPr>
           <a:xfrm>
-            <a:off x="6801881" y="584961"/>
-            <a:ext cx="1486764" cy="0"/>
+            <a:off x="6675120" y="584961"/>
+            <a:ext cx="1613525" cy="0"/>
           </a:xfrm>
           <a:prstGeom prst="straightConnector1">
             <a:avLst/>
@@ -5209,13 +5245,15 @@
       <p:cxnSp>
         <p:nvCxnSpPr>
           <p:cNvPr id="7" name="직선 화살표 연결선 6"/>
-          <p:cNvCxnSpPr/>
+          <p:cNvCxnSpPr>
+            <a:stCxn id="5123" idx="3"/>
+          </p:cNvCxnSpPr>
           <p:nvPr/>
         </p:nvCxnSpPr>
         <p:spPr>
-          <a:xfrm>
-            <a:off x="4563506" y="4009199"/>
-            <a:ext cx="1486764" cy="0"/>
+          <a:xfrm flipV="1">
+            <a:off x="4362450" y="4009199"/>
+            <a:ext cx="1687820" cy="15114"/>
           </a:xfrm>
           <a:prstGeom prst="straightConnector1">
             <a:avLst/>
@@ -5291,7 +5329,7 @@
               <a:t>i</a:t>
             </a:r>
             <a:r>
-              <a:rPr lang="en-US" altLang="ko-KR" dirty="0" err="1" smtClean="0">
+              <a:rPr lang="en-US" altLang="ko-KR" dirty="0" smtClean="0">
                 <a:ln w="12700">
                   <a:solidFill>
                     <a:schemeClr val="bg1"/>
@@ -5301,7 +5339,7 @@
                   <a:schemeClr val="bg1"/>
                 </a:solidFill>
               </a:rPr>
-              <a:t>,j</a:t>
+              <a:t>, j</a:t>
             </a:r>
             <a:r>
               <a:rPr lang="en-US" altLang="ko-KR" dirty="0" smtClean="0">
@@ -5539,7 +5577,7 @@
         </p:blipFill>
         <p:spPr bwMode="auto">
           <a:xfrm>
-            <a:off x="0" y="0"/>
+            <a:off x="1014153" y="822960"/>
             <a:ext cx="8820150" cy="2181225"/>
           </a:xfrm>
           <a:prstGeom prst="rect">
@@ -5588,8 +5626,8 @@
         </p:nvCxnSpPr>
         <p:spPr>
           <a:xfrm rot="16200000" flipH="1">
-            <a:off x="128588" y="2833687"/>
-            <a:ext cx="1438275" cy="476250"/>
+            <a:off x="1057016" y="3570921"/>
+            <a:ext cx="1609724" cy="476251"/>
           </a:xfrm>
           <a:prstGeom prst="bentConnector3">
             <a:avLst/>
@@ -5624,7 +5662,7 @@
         </p:nvSpPr>
         <p:spPr>
           <a:xfrm>
-            <a:off x="182870" y="3814234"/>
+            <a:off x="1197023" y="4637194"/>
             <a:ext cx="5522666" cy="923330"/>
           </a:xfrm>
           <a:prstGeom prst="rect">
@@ -5823,7 +5861,7 @@
         </p:blipFill>
         <p:spPr bwMode="auto">
           <a:xfrm>
-            <a:off x="0" y="1"/>
+            <a:off x="2344189" y="315885"/>
             <a:ext cx="6667500" cy="3638550"/>
           </a:xfrm>
           <a:prstGeom prst="rect">
@@ -5872,7 +5910,7 @@
         </p:nvCxnSpPr>
         <p:spPr>
           <a:xfrm rot="16200000" flipH="1">
-            <a:off x="642938" y="4104747"/>
+            <a:off x="2987127" y="4420631"/>
             <a:ext cx="1438275" cy="476250"/>
           </a:xfrm>
           <a:prstGeom prst="bentConnector3">
@@ -5908,7 +5946,7 @@
         </p:nvSpPr>
         <p:spPr>
           <a:xfrm>
-            <a:off x="401945" y="5085294"/>
+            <a:off x="2746134" y="5401178"/>
             <a:ext cx="4830168" cy="1200329"/>
           </a:xfrm>
           <a:prstGeom prst="rect">
@@ -8363,6 +8401,30 @@
           </p:txBody>
         </p:sp>
       </p:grpSp>
+      <p:pic>
+        <p:nvPicPr>
+          <p:cNvPr id="10" name="그림 9"/>
+          <p:cNvPicPr>
+            <a:picLocks noChangeAspect="1"/>
+          </p:cNvPicPr>
+          <p:nvPr/>
+        </p:nvPicPr>
+        <p:blipFill>
+          <a:blip r:embed="rId4"/>
+          <a:stretch>
+            <a:fillRect/>
+          </a:stretch>
+        </p:blipFill>
+        <p:spPr>
+          <a:xfrm>
+            <a:off x="7479727" y="964277"/>
+            <a:ext cx="4078597" cy="5576590"/>
+          </a:xfrm>
+          <a:prstGeom prst="rect">
+            <a:avLst/>
+          </a:prstGeom>
+        </p:spPr>
+      </p:pic>
     </p:spTree>
     <p:extLst>
       <p:ext uri="{BB962C8B-B14F-4D97-AF65-F5344CB8AC3E}">
@@ -8702,6 +8764,105 @@
                                         </p:tgtEl>
                                       </p:cBhvr>
                                     </p:animEffect>
+                                  </p:childTnLst>
+                                </p:cTn>
+                              </p:par>
+                            </p:childTnLst>
+                          </p:cTn>
+                        </p:par>
+                      </p:childTnLst>
+                    </p:cTn>
+                  </p:par>
+                  <p:par>
+                    <p:cTn id="33" fill="hold">
+                      <p:stCondLst>
+                        <p:cond delay="indefinite"/>
+                      </p:stCondLst>
+                      <p:childTnLst>
+                        <p:par>
+                          <p:cTn id="34" fill="hold">
+                            <p:stCondLst>
+                              <p:cond delay="0"/>
+                            </p:stCondLst>
+                            <p:childTnLst>
+                              <p:par>
+                                <p:cTn id="35" presetID="42" presetClass="entr" presetSubtype="0" fill="hold" nodeType="clickEffect">
+                                  <p:stCondLst>
+                                    <p:cond delay="0"/>
+                                  </p:stCondLst>
+                                  <p:childTnLst>
+                                    <p:set>
+                                      <p:cBhvr>
+                                        <p:cTn id="36" dur="1" fill="hold">
+                                          <p:stCondLst>
+                                            <p:cond delay="0"/>
+                                          </p:stCondLst>
+                                        </p:cTn>
+                                        <p:tgtEl>
+                                          <p:spTgt spid="10"/>
+                                        </p:tgtEl>
+                                        <p:attrNameLst>
+                                          <p:attrName>style.visibility</p:attrName>
+                                        </p:attrNameLst>
+                                      </p:cBhvr>
+                                      <p:to>
+                                        <p:strVal val="visible"/>
+                                      </p:to>
+                                    </p:set>
+                                    <p:animEffect transition="in" filter="fade">
+                                      <p:cBhvr>
+                                        <p:cTn id="37" dur="1000"/>
+                                        <p:tgtEl>
+                                          <p:spTgt spid="10"/>
+                                        </p:tgtEl>
+                                      </p:cBhvr>
+                                    </p:animEffect>
+                                    <p:anim calcmode="lin" valueType="num">
+                                      <p:cBhvr>
+                                        <p:cTn id="38" dur="1000" fill="hold"/>
+                                        <p:tgtEl>
+                                          <p:spTgt spid="10"/>
+                                        </p:tgtEl>
+                                        <p:attrNameLst>
+                                          <p:attrName>ppt_x</p:attrName>
+                                        </p:attrNameLst>
+                                      </p:cBhvr>
+                                      <p:tavLst>
+                                        <p:tav tm="0">
+                                          <p:val>
+                                            <p:strVal val="#ppt_x"/>
+                                          </p:val>
+                                        </p:tav>
+                                        <p:tav tm="100000">
+                                          <p:val>
+                                            <p:strVal val="#ppt_x"/>
+                                          </p:val>
+                                        </p:tav>
+                                      </p:tavLst>
+                                    </p:anim>
+                                    <p:anim calcmode="lin" valueType="num">
+                                      <p:cBhvr>
+                                        <p:cTn id="39" dur="1000" fill="hold"/>
+                                        <p:tgtEl>
+                                          <p:spTgt spid="10"/>
+                                        </p:tgtEl>
+                                        <p:attrNameLst>
+                                          <p:attrName>ppt_y</p:attrName>
+                                        </p:attrNameLst>
+                                      </p:cBhvr>
+                                      <p:tavLst>
+                                        <p:tav tm="0">
+                                          <p:val>
+                                            <p:strVal val="#ppt_y+.1"/>
+                                          </p:val>
+                                        </p:tav>
+                                        <p:tav tm="100000">
+                                          <p:val>
+                                            <p:strVal val="#ppt_y"/>
+                                          </p:val>
+                                        </p:tav>
+                                      </p:tavLst>
+                                    </p:anim>
                                   </p:childTnLst>
                                 </p:cTn>
                               </p:par>
